--- a/diagrams/designPatterns/modelViewController/whatItIs/classDiagram.pptx
+++ b/diagrams/designPatterns/modelViewController/whatItIs/classDiagram.pptx
@@ -107,6 +107,22 @@
       </a:defRPr>
     </a:lvl9pPr>
   </p:defaultTextStyle>
+  <p:extLst>
+    <p:ext uri="{EFAFB233-063F-42B5-8137-9DF3F51BA10A}">
+      <p15:sldGuideLst xmlns:p15="http://schemas.microsoft.com/office/powerpoint/2012/main">
+        <p15:guide id="1" orient="horz" pos="2160">
+          <p15:clr>
+            <a:srgbClr val="A4A3A4"/>
+          </p15:clr>
+        </p15:guide>
+        <p15:guide id="2" pos="2880">
+          <p15:clr>
+            <a:srgbClr val="A4A3A4"/>
+          </p15:clr>
+        </p15:guide>
+      </p15:sldGuideLst>
+    </p:ext>
+  </p:extLst>
 </p:presentation>
 </file>
 
@@ -192,7 +208,7 @@
           <a:p>
             <a:fld id="{66906C45-2DB0-4797-8F62-CAF8E935D413}" type="datetimeFigureOut">
               <a:rPr lang="en-SG" smtClean="0"/>
-              <a:t>23/6/2017</a:t>
+              <a:t>31/10/2017</a:t>
             </a:fld>
             <a:endParaRPr lang="en-SG"/>
           </a:p>
@@ -725,7 +741,7 @@
           <a:p>
             <a:fld id="{8486F480-15A6-4026-BC99-052F8E994139}" type="datetimeFigureOut">
               <a:rPr lang="en-SG" smtClean="0"/>
-              <a:t>23/6/2017</a:t>
+              <a:t>31/10/2017</a:t>
             </a:fld>
             <a:endParaRPr lang="en-SG"/>
           </a:p>
@@ -895,7 +911,7 @@
           <a:p>
             <a:fld id="{8486F480-15A6-4026-BC99-052F8E994139}" type="datetimeFigureOut">
               <a:rPr lang="en-SG" smtClean="0"/>
-              <a:t>23/6/2017</a:t>
+              <a:t>31/10/2017</a:t>
             </a:fld>
             <a:endParaRPr lang="en-SG"/>
           </a:p>
@@ -1075,7 +1091,7 @@
           <a:p>
             <a:fld id="{8486F480-15A6-4026-BC99-052F8E994139}" type="datetimeFigureOut">
               <a:rPr lang="en-SG" smtClean="0"/>
-              <a:t>23/6/2017</a:t>
+              <a:t>31/10/2017</a:t>
             </a:fld>
             <a:endParaRPr lang="en-SG"/>
           </a:p>
@@ -1245,7 +1261,7 @@
           <a:p>
             <a:fld id="{8486F480-15A6-4026-BC99-052F8E994139}" type="datetimeFigureOut">
               <a:rPr lang="en-SG" smtClean="0"/>
-              <a:t>23/6/2017</a:t>
+              <a:t>31/10/2017</a:t>
             </a:fld>
             <a:endParaRPr lang="en-SG"/>
           </a:p>
@@ -1491,7 +1507,7 @@
           <a:p>
             <a:fld id="{8486F480-15A6-4026-BC99-052F8E994139}" type="datetimeFigureOut">
               <a:rPr lang="en-SG" smtClean="0"/>
-              <a:t>23/6/2017</a:t>
+              <a:t>31/10/2017</a:t>
             </a:fld>
             <a:endParaRPr lang="en-SG"/>
           </a:p>
@@ -1779,7 +1795,7 @@
           <a:p>
             <a:fld id="{8486F480-15A6-4026-BC99-052F8E994139}" type="datetimeFigureOut">
               <a:rPr lang="en-SG" smtClean="0"/>
-              <a:t>23/6/2017</a:t>
+              <a:t>31/10/2017</a:t>
             </a:fld>
             <a:endParaRPr lang="en-SG"/>
           </a:p>
@@ -2201,7 +2217,7 @@
           <a:p>
             <a:fld id="{8486F480-15A6-4026-BC99-052F8E994139}" type="datetimeFigureOut">
               <a:rPr lang="en-SG" smtClean="0"/>
-              <a:t>23/6/2017</a:t>
+              <a:t>31/10/2017</a:t>
             </a:fld>
             <a:endParaRPr lang="en-SG"/>
           </a:p>
@@ -2319,7 +2335,7 @@
           <a:p>
             <a:fld id="{8486F480-15A6-4026-BC99-052F8E994139}" type="datetimeFigureOut">
               <a:rPr lang="en-SG" smtClean="0"/>
-              <a:t>23/6/2017</a:t>
+              <a:t>31/10/2017</a:t>
             </a:fld>
             <a:endParaRPr lang="en-SG"/>
           </a:p>
@@ -2414,7 +2430,7 @@
           <a:p>
             <a:fld id="{8486F480-15A6-4026-BC99-052F8E994139}" type="datetimeFigureOut">
               <a:rPr lang="en-SG" smtClean="0"/>
-              <a:t>23/6/2017</a:t>
+              <a:t>31/10/2017</a:t>
             </a:fld>
             <a:endParaRPr lang="en-SG"/>
           </a:p>
@@ -2691,7 +2707,7 @@
           <a:p>
             <a:fld id="{8486F480-15A6-4026-BC99-052F8E994139}" type="datetimeFigureOut">
               <a:rPr lang="en-SG" smtClean="0"/>
-              <a:t>23/6/2017</a:t>
+              <a:t>31/10/2017</a:t>
             </a:fld>
             <a:endParaRPr lang="en-SG"/>
           </a:p>
@@ -2944,7 +2960,7 @@
           <a:p>
             <a:fld id="{8486F480-15A6-4026-BC99-052F8E994139}" type="datetimeFigureOut">
               <a:rPr lang="en-SG" smtClean="0"/>
-              <a:t>23/6/2017</a:t>
+              <a:t>31/10/2017</a:t>
             </a:fld>
             <a:endParaRPr lang="en-SG"/>
           </a:p>
@@ -3157,7 +3173,7 @@
           <a:p>
             <a:fld id="{8486F480-15A6-4026-BC99-052F8E994139}" type="datetimeFigureOut">
               <a:rPr lang="en-SG" smtClean="0"/>
-              <a:t>23/6/2017</a:t>
+              <a:t>31/10/2017</a:t>
             </a:fld>
             <a:endParaRPr lang="en-SG"/>
           </a:p>
@@ -3534,7 +3550,7 @@
       </p:grpSpPr>
       <p:sp>
         <p:nvSpPr>
-          <p:cNvPr id="194" name="AutoShape 3"/>
+          <p:cNvPr id="195" name="AutoShape 3"/>
           <p:cNvSpPr>
             <a:spLocks noChangeArrowheads="1"/>
           </p:cNvSpPr>
@@ -3542,8 +3558,8 @@
         </p:nvSpPr>
         <p:spPr bwMode="auto">
           <a:xfrm>
-            <a:off x="4139952" y="2924944"/>
-            <a:ext cx="3456384" cy="1149178"/>
+            <a:off x="1425145" y="2924944"/>
+            <a:ext cx="6096000" cy="1149178"/>
           </a:xfrm>
           <a:prstGeom prst="roundRect">
             <a:avLst>
@@ -3552,6 +3568,103 @@
           </a:prstGeom>
           <a:ln>
             <a:noFill/>
+            <a:headEnd/>
+            <a:tailEnd/>
+          </a:ln>
+        </p:spPr>
+        <p:style>
+          <a:lnRef idx="1">
+            <a:schemeClr val="dk1"/>
+          </a:lnRef>
+          <a:fillRef idx="2">
+            <a:schemeClr val="dk1"/>
+          </a:fillRef>
+          <a:effectRef idx="1">
+            <a:schemeClr val="dk1"/>
+          </a:effectRef>
+          <a:fontRef idx="minor">
+            <a:schemeClr val="dk1"/>
+          </a:fontRef>
+        </p:style>
+        <p:txBody>
+          <a:bodyPr wrap="square" anchor="ctr">
+            <a:noAutofit/>
+          </a:bodyPr>
+          <a:lstStyle/>
+          <a:p>
+            <a:endParaRPr lang="en-US" sz="2000">
+              <a:solidFill>
+                <a:schemeClr val="dk1"/>
+              </a:solidFill>
+            </a:endParaRPr>
+          </a:p>
+        </p:txBody>
+      </p:sp>
+      <p:sp>
+        <p:nvSpPr>
+          <p:cNvPr id="196" name="AutoShape 17"/>
+          <p:cNvSpPr>
+            <a:spLocks noChangeArrowheads="1"/>
+          </p:cNvSpPr>
+          <p:nvPr/>
+        </p:nvSpPr>
+        <p:spPr bwMode="auto">
+          <a:xfrm>
+            <a:off x="1425145" y="4183668"/>
+            <a:ext cx="6096000" cy="1351740"/>
+          </a:xfrm>
+          <a:prstGeom prst="roundRect">
+            <a:avLst>
+              <a:gd name="adj" fmla="val 16667"/>
+            </a:avLst>
+          </a:prstGeom>
+          <a:ln>
+            <a:noFill/>
+            <a:headEnd/>
+            <a:tailEnd/>
+          </a:ln>
+        </p:spPr>
+        <p:style>
+          <a:lnRef idx="1">
+            <a:schemeClr val="dk1"/>
+          </a:lnRef>
+          <a:fillRef idx="2">
+            <a:schemeClr val="dk1"/>
+          </a:fillRef>
+          <a:effectRef idx="1">
+            <a:schemeClr val="dk1"/>
+          </a:effectRef>
+          <a:fontRef idx="minor">
+            <a:schemeClr val="dk1"/>
+          </a:fontRef>
+        </p:style>
+        <p:txBody>
+          <a:bodyPr wrap="square" anchor="ctr">
+            <a:noAutofit/>
+          </a:bodyPr>
+          <a:lstStyle/>
+          <a:p>
+            <a:endParaRPr lang="en-US" sz="2000"/>
+          </a:p>
+        </p:txBody>
+      </p:sp>
+      <p:sp>
+        <p:nvSpPr>
+          <p:cNvPr id="197" name="Rectangle 4"/>
+          <p:cNvSpPr>
+            <a:spLocks noChangeArrowheads="1"/>
+          </p:cNvSpPr>
+          <p:nvPr/>
+        </p:nvSpPr>
+        <p:spPr bwMode="auto">
+          <a:xfrm>
+            <a:off x="1958545" y="3419052"/>
+            <a:ext cx="1239838" cy="409575"/>
+          </a:xfrm>
+          <a:prstGeom prst="rect">
+            <a:avLst/>
+          </a:prstGeom>
+          <a:ln>
             <a:headEnd/>
             <a:tailEnd/>
           </a:ln>
@@ -3571,155 +3684,6 @@
           </a:fontRef>
         </p:style>
         <p:txBody>
-          <a:bodyPr wrap="square" anchor="ctr">
-            <a:noAutofit/>
-          </a:bodyPr>
-          <a:lstStyle/>
-          <a:p>
-            <a:endParaRPr lang="en-US" sz="2000">
-              <a:solidFill>
-                <a:schemeClr val="dk1"/>
-              </a:solidFill>
-            </a:endParaRPr>
-          </a:p>
-        </p:txBody>
-      </p:sp>
-      <p:sp>
-        <p:nvSpPr>
-          <p:cNvPr id="195" name="AutoShape 3"/>
-          <p:cNvSpPr>
-            <a:spLocks noChangeArrowheads="1"/>
-          </p:cNvSpPr>
-          <p:nvPr/>
-        </p:nvSpPr>
-        <p:spPr bwMode="auto">
-          <a:xfrm>
-            <a:off x="1399131" y="2924944"/>
-            <a:ext cx="2524797" cy="1149178"/>
-          </a:xfrm>
-          <a:prstGeom prst="roundRect">
-            <a:avLst>
-              <a:gd name="adj" fmla="val 16667"/>
-            </a:avLst>
-          </a:prstGeom>
-          <a:ln>
-            <a:noFill/>
-            <a:headEnd/>
-            <a:tailEnd/>
-          </a:ln>
-        </p:spPr>
-        <p:style>
-          <a:lnRef idx="1">
-            <a:schemeClr val="accent4"/>
-          </a:lnRef>
-          <a:fillRef idx="2">
-            <a:schemeClr val="accent4"/>
-          </a:fillRef>
-          <a:effectRef idx="1">
-            <a:schemeClr val="accent4"/>
-          </a:effectRef>
-          <a:fontRef idx="minor">
-            <a:schemeClr val="dk1"/>
-          </a:fontRef>
-        </p:style>
-        <p:txBody>
-          <a:bodyPr wrap="square" anchor="ctr">
-            <a:noAutofit/>
-          </a:bodyPr>
-          <a:lstStyle/>
-          <a:p>
-            <a:endParaRPr lang="en-US" sz="2000">
-              <a:solidFill>
-                <a:schemeClr val="dk1"/>
-              </a:solidFill>
-            </a:endParaRPr>
-          </a:p>
-        </p:txBody>
-      </p:sp>
-      <p:sp>
-        <p:nvSpPr>
-          <p:cNvPr id="196" name="AutoShape 17"/>
-          <p:cNvSpPr>
-            <a:spLocks noChangeArrowheads="1"/>
-          </p:cNvSpPr>
-          <p:nvPr/>
-        </p:nvSpPr>
-        <p:spPr bwMode="auto">
-          <a:xfrm>
-            <a:off x="1425145" y="4183668"/>
-            <a:ext cx="6096000" cy="1351740"/>
-          </a:xfrm>
-          <a:prstGeom prst="roundRect">
-            <a:avLst>
-              <a:gd name="adj" fmla="val 16667"/>
-            </a:avLst>
-          </a:prstGeom>
-          <a:ln>
-            <a:noFill/>
-            <a:headEnd/>
-            <a:tailEnd/>
-          </a:ln>
-        </p:spPr>
-        <p:style>
-          <a:lnRef idx="1">
-            <a:schemeClr val="accent5"/>
-          </a:lnRef>
-          <a:fillRef idx="2">
-            <a:schemeClr val="accent5"/>
-          </a:fillRef>
-          <a:effectRef idx="1">
-            <a:schemeClr val="accent5"/>
-          </a:effectRef>
-          <a:fontRef idx="minor">
-            <a:schemeClr val="dk1"/>
-          </a:fontRef>
-        </p:style>
-        <p:txBody>
-          <a:bodyPr anchor="ctr">
-            <a:noAutofit/>
-          </a:bodyPr>
-          <a:lstStyle/>
-          <a:p>
-            <a:endParaRPr lang="en-US" sz="2000"/>
-          </a:p>
-        </p:txBody>
-      </p:sp>
-      <p:sp>
-        <p:nvSpPr>
-          <p:cNvPr id="197" name="Rectangle 4"/>
-          <p:cNvSpPr>
-            <a:spLocks noChangeArrowheads="1"/>
-          </p:cNvSpPr>
-          <p:nvPr/>
-        </p:nvSpPr>
-        <p:spPr bwMode="auto">
-          <a:xfrm>
-            <a:off x="1958545" y="3419052"/>
-            <a:ext cx="1239838" cy="409575"/>
-          </a:xfrm>
-          <a:prstGeom prst="rect">
-            <a:avLst/>
-          </a:prstGeom>
-          <a:ln>
-            <a:headEnd/>
-            <a:tailEnd/>
-          </a:ln>
-        </p:spPr>
-        <p:style>
-          <a:lnRef idx="1">
-            <a:schemeClr val="accent4"/>
-          </a:lnRef>
-          <a:fillRef idx="2">
-            <a:schemeClr val="accent4"/>
-          </a:fillRef>
-          <a:effectRef idx="1">
-            <a:schemeClr val="accent4"/>
-          </a:effectRef>
-          <a:fontRef idx="minor">
-            <a:schemeClr val="dk1"/>
-          </a:fontRef>
-        </p:style>
-        <p:txBody>
           <a:bodyPr wrap="none" anchor="ctr">
             <a:spAutoFit/>
           </a:bodyPr>
@@ -3727,7 +3691,7 @@
           <a:p>
             <a:pPr algn="ctr"/>
             <a:r>
-              <a:rPr lang="en-US" sz="2000" b="0">
+              <a:rPr lang="en-US" sz="2000">
                 <a:solidFill>
                   <a:schemeClr val="tx1"/>
                 </a:solidFill>
@@ -3815,13 +3779,13 @@
         </p:spPr>
         <p:style>
           <a:lnRef idx="1">
-            <a:schemeClr val="accent3"/>
+            <a:schemeClr val="accent4"/>
           </a:lnRef>
           <a:fillRef idx="2">
-            <a:schemeClr val="accent3"/>
+            <a:schemeClr val="accent4"/>
           </a:fillRef>
           <a:effectRef idx="1">
-            <a:schemeClr val="accent3"/>
+            <a:schemeClr val="accent4"/>
           </a:effectRef>
           <a:fontRef idx="minor">
             <a:schemeClr val="dk1"/>
@@ -3835,7 +3799,7 @@
           <a:p>
             <a:pPr algn="ctr"/>
             <a:r>
-              <a:rPr lang="en-US" sz="2000" b="0" dirty="0">
+              <a:rPr lang="en-US" sz="2000" dirty="0">
                 <a:solidFill>
                   <a:schemeClr val="tx1"/>
                 </a:solidFill>
@@ -3867,7 +3831,9 @@
           <a:noFill/>
           <a:ln w="19050">
             <a:solidFill>
-              <a:schemeClr val="tx1"/>
+              <a:schemeClr val="accent3">
+                <a:lumMod val="75000"/>
+              </a:schemeClr>
             </a:solidFill>
             <a:miter lim="800000"/>
             <a:headEnd/>
@@ -3896,7 +3862,7 @@
           <a:noFill/>
           <a:ln w="19050">
             <a:solidFill>
-              <a:schemeClr val="tx1"/>
+              <a:srgbClr val="7030A0"/>
             </a:solidFill>
             <a:miter lim="800000"/>
             <a:headEnd type="arrow" w="med" len="med"/>
@@ -3925,7 +3891,9 @@
           <a:noFill/>
           <a:ln w="19050">
             <a:solidFill>
-              <a:schemeClr val="tx1"/>
+              <a:schemeClr val="accent3">
+                <a:lumMod val="75000"/>
+              </a:schemeClr>
             </a:solidFill>
             <a:round/>
             <a:headEnd/>
@@ -3943,8 +3911,8 @@
         </p:nvSpPr>
         <p:spPr bwMode="auto">
           <a:xfrm>
-            <a:off x="4267276" y="3249953"/>
-            <a:ext cx="1208664" cy="400110"/>
+            <a:off x="4269364" y="3249953"/>
+            <a:ext cx="1022716" cy="400110"/>
           </a:xfrm>
           <a:prstGeom prst="rect">
             <a:avLst/>
@@ -3965,29 +3933,39 @@
           <a:p>
             <a:pPr algn="ctr"/>
             <a:r>
-              <a:rPr lang="en-US" sz="2000" b="0" dirty="0">
+              <a:rPr lang="en-US" sz="2000" b="0" dirty="0" smtClean="0">
                 <a:solidFill>
-                  <a:schemeClr val="tx1"/>
+                  <a:schemeClr val="accent3">
+                    <a:lumMod val="75000"/>
+                  </a:schemeClr>
                 </a:solidFill>
                 <a:latin typeface="Calibri" pitchFamily="34" charset="0"/>
               </a:rPr>
-              <a:t>updates &gt;</a:t>
-            </a:r>
-          </a:p>
-        </p:txBody>
-      </p:sp>
-      <p:sp>
-        <p:nvSpPr>
-          <p:cNvPr id="204" name="Rectangle 13"/>
+              <a:t>updates</a:t>
+            </a:r>
+            <a:endParaRPr lang="en-US" sz="2000" b="0" dirty="0">
+              <a:solidFill>
+                <a:schemeClr val="accent3">
+                  <a:lumMod val="75000"/>
+                </a:schemeClr>
+              </a:solidFill>
+              <a:latin typeface="Calibri" pitchFamily="34" charset="0"/>
+            </a:endParaRPr>
+          </a:p>
+        </p:txBody>
+      </p:sp>
+      <p:sp>
+        <p:nvSpPr>
+          <p:cNvPr id="205" name="Rectangle 14"/>
           <p:cNvSpPr>
             <a:spLocks noChangeArrowheads="1"/>
           </p:cNvSpPr>
           <p:nvPr/>
         </p:nvSpPr>
         <p:spPr bwMode="auto">
-          <a:xfrm rot="-5400000">
-            <a:off x="5840597" y="4450125"/>
-            <a:ext cx="1664237" cy="400110"/>
+          <a:xfrm>
+            <a:off x="5283097" y="4906145"/>
+            <a:ext cx="1813317" cy="400110"/>
           </a:xfrm>
           <a:prstGeom prst="rect">
             <a:avLst/>
@@ -4010,33 +3988,45 @@
             <a:r>
               <a:rPr lang="en-US" sz="2000" b="0" dirty="0" smtClean="0">
                 <a:solidFill>
-                  <a:schemeClr val="tx1"/>
+                  <a:srgbClr val="7030A0"/>
                 </a:solidFill>
                 <a:latin typeface="Calibri" pitchFamily="34" charset="0"/>
               </a:rPr>
-              <a:t> &lt; updated by </a:t>
-            </a:r>
-            <a:endParaRPr lang="en-US" sz="2000" b="0" dirty="0">
-              <a:solidFill>
-                <a:schemeClr val="tx1"/>
-              </a:solidFill>
-              <a:latin typeface="Calibri" pitchFamily="34" charset="0"/>
-            </a:endParaRPr>
-          </a:p>
-        </p:txBody>
-      </p:sp>
-      <p:sp>
-        <p:nvSpPr>
-          <p:cNvPr id="205" name="Rectangle 14"/>
+              <a:t> </a:t>
+            </a:r>
+            <a:r>
+              <a:rPr lang="en-US" sz="2000" b="0" dirty="0" smtClean="0">
+                <a:solidFill>
+                  <a:srgbClr val="7030A0"/>
+                </a:solidFill>
+                <a:latin typeface="Calibri" pitchFamily="34" charset="0"/>
+              </a:rPr>
+              <a:t>pulls data </a:t>
+            </a:r>
+            <a:r>
+              <a:rPr lang="en-US" sz="2000" b="0" dirty="0">
+                <a:solidFill>
+                  <a:srgbClr val="7030A0"/>
+                </a:solidFill>
+                <a:latin typeface="Calibri" pitchFamily="34" charset="0"/>
+              </a:rPr>
+              <a:t>from</a:t>
+            </a:r>
+          </a:p>
+        </p:txBody>
+      </p:sp>
+      <p:sp>
+        <p:nvSpPr>
+          <p:cNvPr id="206" name="Rectangle 15"/>
           <p:cNvSpPr>
             <a:spLocks noChangeArrowheads="1"/>
           </p:cNvSpPr>
           <p:nvPr/>
         </p:nvSpPr>
         <p:spPr bwMode="auto">
-          <a:xfrm rot="-5400000">
-            <a:off x="6276524" y="4411433"/>
-            <a:ext cx="1941557" cy="400110"/>
+          <a:xfrm>
+            <a:off x="2912450" y="4931116"/>
+            <a:ext cx="1022716" cy="400110"/>
           </a:xfrm>
           <a:prstGeom prst="rect">
             <a:avLst/>
@@ -4057,75 +4047,24 @@
           <a:p>
             <a:pPr algn="ctr"/>
             <a:r>
-              <a:rPr lang="en-US" sz="2000" b="0" dirty="0">
+              <a:rPr lang="en-US" sz="2000" b="0" dirty="0" smtClean="0">
                 <a:solidFill>
-                  <a:schemeClr val="tx1"/>
+                  <a:schemeClr val="accent3">
+                    <a:lumMod val="75000"/>
+                  </a:schemeClr>
                 </a:solidFill>
                 <a:latin typeface="Calibri" pitchFamily="34" charset="0"/>
               </a:rPr>
-              <a:t>&lt; </a:t>
-            </a:r>
-            <a:r>
-              <a:rPr lang="en-US" sz="2000" b="0" dirty="0" smtClean="0">
-                <a:solidFill>
-                  <a:schemeClr val="tx1"/>
-                </a:solidFill>
-                <a:latin typeface="Calibri" pitchFamily="34" charset="0"/>
-              </a:rPr>
-              <a:t>pulls data </a:t>
-            </a:r>
-            <a:r>
-              <a:rPr lang="en-US" sz="2000" b="0" dirty="0">
-                <a:solidFill>
-                  <a:schemeClr val="tx1"/>
-                </a:solidFill>
-                <a:latin typeface="Calibri" pitchFamily="34" charset="0"/>
-              </a:rPr>
-              <a:t>from</a:t>
-            </a:r>
-          </a:p>
-        </p:txBody>
-      </p:sp>
-      <p:sp>
-        <p:nvSpPr>
-          <p:cNvPr id="206" name="Rectangle 15"/>
-          <p:cNvSpPr>
-            <a:spLocks noChangeArrowheads="1"/>
-          </p:cNvSpPr>
-          <p:nvPr/>
-        </p:nvSpPr>
-        <p:spPr bwMode="auto">
-          <a:xfrm>
-            <a:off x="2819476" y="4931116"/>
-            <a:ext cx="1208664" cy="400110"/>
-          </a:xfrm>
-          <a:prstGeom prst="rect">
-            <a:avLst/>
-          </a:prstGeom>
-          <a:noFill/>
-          <a:ln w="12700" algn="ctr">
-            <a:noFill/>
-            <a:miter lim="800000"/>
-            <a:headEnd/>
-            <a:tailEnd/>
-          </a:ln>
-        </p:spPr>
-        <p:txBody>
-          <a:bodyPr wrap="none" anchor="ctr">
-            <a:spAutoFit/>
-          </a:bodyPr>
-          <a:lstStyle/>
-          <a:p>
-            <a:pPr algn="ctr"/>
-            <a:r>
-              <a:rPr lang="en-US" sz="2000" b="0">
-                <a:solidFill>
-                  <a:schemeClr val="tx1"/>
-                </a:solidFill>
-                <a:latin typeface="Calibri" pitchFamily="34" charset="0"/>
-              </a:rPr>
-              <a:t>updates &gt;</a:t>
-            </a:r>
+              <a:t>updates</a:t>
+            </a:r>
+            <a:endParaRPr lang="en-US" sz="2000" b="0" dirty="0">
+              <a:solidFill>
+                <a:schemeClr val="accent3">
+                  <a:lumMod val="75000"/>
+                </a:schemeClr>
+              </a:solidFill>
+              <a:latin typeface="Calibri" pitchFamily="34" charset="0"/>
+            </a:endParaRPr>
           </a:p>
         </p:txBody>
       </p:sp>
@@ -4139,7 +4078,7 @@
         </p:nvSpPr>
         <p:spPr bwMode="auto">
           <a:xfrm rot="-5400000">
-            <a:off x="577352" y="3294803"/>
+            <a:off x="1462802" y="3413853"/>
             <a:ext cx="413896" cy="400110"/>
           </a:xfrm>
           <a:prstGeom prst="rect">
@@ -4163,7 +4102,10 @@
             <a:r>
               <a:rPr lang="en-US" sz="2000" dirty="0">
                 <a:solidFill>
-                  <a:schemeClr val="tx1"/>
+                  <a:schemeClr val="tx1">
+                    <a:lumMod val="50000"/>
+                    <a:lumOff val="50000"/>
+                  </a:schemeClr>
                 </a:solidFill>
                 <a:latin typeface="Calibri" pitchFamily="34" charset="0"/>
               </a:rPr>
@@ -4182,10 +4124,10 @@
         </p:nvSpPr>
         <p:spPr bwMode="auto">
           <a:xfrm rot="-5400000">
-            <a:off x="317803" y="4370829"/>
-            <a:ext cx="1295400" cy="707886"/>
+            <a:off x="1169042" y="4456347"/>
+            <a:ext cx="1295400" cy="783193"/>
           </a:xfrm>
-          <a:prstGeom prst="rect">
+          <a:prstGeom prst="wedgeRoundRectCallout">
             <a:avLst/>
           </a:prstGeom>
           <a:noFill/>
@@ -4205,13 +4147,22 @@
             <a:pPr algn="ctr"/>
             <a:r>
               <a:rPr lang="en-US" sz="2000" dirty="0" smtClean="0">
+                <a:solidFill>
+                  <a:schemeClr val="tx1">
+                    <a:lumMod val="50000"/>
+                    <a:lumOff val="50000"/>
+                  </a:schemeClr>
+                </a:solidFill>
                 <a:latin typeface="Calibri" pitchFamily="34" charset="0"/>
               </a:rPr>
               <a:t>Business Logic</a:t>
             </a:r>
             <a:endParaRPr lang="en-US" sz="2000" dirty="0">
               <a:solidFill>
-                <a:schemeClr val="tx1"/>
+                <a:schemeClr val="tx1">
+                  <a:lumMod val="50000"/>
+                  <a:lumOff val="50000"/>
+                </a:schemeClr>
               </a:solidFill>
               <a:latin typeface="Calibri" pitchFamily="34" charset="0"/>
             </a:endParaRPr>
@@ -4220,78 +4171,6 @@
       </p:sp>
       <p:sp>
         <p:nvSpPr>
-          <p:cNvPr id="209" name="Line 20"/>
-          <p:cNvSpPr>
-            <a:spLocks noChangeShapeType="1"/>
-          </p:cNvSpPr>
-          <p:nvPr/>
-        </p:nvSpPr>
-        <p:spPr bwMode="auto">
-          <a:xfrm flipH="1">
-            <a:off x="2568145" y="2725570"/>
-            <a:ext cx="755822" cy="656969"/>
-          </a:xfrm>
-          <a:prstGeom prst="line">
-            <a:avLst/>
-          </a:prstGeom>
-          <a:noFill/>
-          <a:ln w="19050">
-            <a:solidFill>
-              <a:schemeClr val="tx1"/>
-            </a:solidFill>
-            <a:round/>
-            <a:headEnd/>
-            <a:tailEnd type="triangle" w="med" len="med"/>
-          </a:ln>
-        </p:spPr>
-        <p:txBody>
-          <a:bodyPr wrap="square" anchor="b">
-            <a:spAutoFit/>
-          </a:bodyPr>
-          <a:lstStyle/>
-          <a:p>
-            <a:endParaRPr lang="en-US" sz="2000"/>
-          </a:p>
-        </p:txBody>
-      </p:sp>
-      <p:sp>
-        <p:nvSpPr>
-          <p:cNvPr id="210" name="Line 21"/>
-          <p:cNvSpPr>
-            <a:spLocks noChangeShapeType="1"/>
-          </p:cNvSpPr>
-          <p:nvPr/>
-        </p:nvSpPr>
-        <p:spPr bwMode="auto">
-          <a:xfrm flipH="1" flipV="1">
-            <a:off x="6388443" y="2713213"/>
-            <a:ext cx="523102" cy="669326"/>
-          </a:xfrm>
-          <a:prstGeom prst="line">
-            <a:avLst/>
-          </a:prstGeom>
-          <a:noFill/>
-          <a:ln w="19050">
-            <a:solidFill>
-              <a:schemeClr val="tx1"/>
-            </a:solidFill>
-            <a:round/>
-            <a:headEnd/>
-            <a:tailEnd type="triangle" w="med" len="med"/>
-          </a:ln>
-        </p:spPr>
-        <p:txBody>
-          <a:bodyPr wrap="square" anchor="b">
-            <a:spAutoFit/>
-          </a:bodyPr>
-          <a:lstStyle/>
-          <a:p>
-            <a:endParaRPr lang="en-US" sz="2000"/>
-          </a:p>
-        </p:txBody>
-      </p:sp>
-      <p:sp>
-        <p:nvSpPr>
           <p:cNvPr id="211" name="Rectangle 22"/>
           <p:cNvSpPr>
             <a:spLocks noChangeArrowheads="1"/>
@@ -4300,49 +4179,54 @@
         </p:nvSpPr>
         <p:spPr bwMode="auto">
           <a:xfrm>
-            <a:off x="5710807" y="2049752"/>
-            <a:ext cx="1463094" cy="707886"/>
+            <a:off x="5710806" y="2012099"/>
+            <a:ext cx="1669505" cy="783193"/>
           </a:xfrm>
-          <a:prstGeom prst="rect">
-            <a:avLst/>
+          <a:prstGeom prst="wedgeRoundRectCallout">
+            <a:avLst>
+              <a:gd name="adj1" fmla="val 25889"/>
+              <a:gd name="adj2" fmla="val 127111"/>
+              <a:gd name="adj3" fmla="val 16667"/>
+            </a:avLst>
           </a:prstGeom>
-          <a:noFill/>
+          <a:solidFill>
+            <a:schemeClr val="accent4">
+              <a:lumMod val="40000"/>
+              <a:lumOff val="60000"/>
+              <a:alpha val="46000"/>
+            </a:schemeClr>
+          </a:solidFill>
           <a:ln w="12700" algn="ctr">
-            <a:noFill/>
+            <a:solidFill>
+              <a:schemeClr val="bg1">
+                <a:lumMod val="75000"/>
+              </a:schemeClr>
+            </a:solidFill>
             <a:miter lim="800000"/>
             <a:headEnd/>
             <a:tailEnd/>
           </a:ln>
         </p:spPr>
         <p:txBody>
-          <a:bodyPr wrap="none" anchor="ctr">
+          <a:bodyPr wrap="square" anchor="ctr">
             <a:spAutoFit/>
           </a:bodyPr>
           <a:lstStyle/>
           <a:p>
             <a:pPr algn="ctr"/>
             <a:r>
-              <a:rPr lang="en-US" sz="2000" b="0" dirty="0">
-                <a:solidFill>
-                  <a:schemeClr val="tx1"/>
-                </a:solidFill>
+              <a:rPr lang="en-US" sz="2000" dirty="0">
                 <a:latin typeface="Calibri" pitchFamily="34" charset="0"/>
               </a:rPr>
               <a:t>This is what </a:t>
             </a:r>
             <a:br>
-              <a:rPr lang="en-US" sz="2000" b="0" dirty="0">
-                <a:solidFill>
-                  <a:schemeClr val="tx1"/>
-                </a:solidFill>
+              <a:rPr lang="en-US" sz="2000" dirty="0">
                 <a:latin typeface="Calibri" pitchFamily="34" charset="0"/>
               </a:rPr>
             </a:br>
             <a:r>
-              <a:rPr lang="en-US" sz="2000" b="0" dirty="0">
-                <a:solidFill>
-                  <a:schemeClr val="tx1"/>
-                </a:solidFill>
+              <a:rPr lang="en-US" sz="2000" dirty="0">
                 <a:latin typeface="Calibri" pitchFamily="34" charset="0"/>
               </a:rPr>
               <a:t>user sees</a:t>
@@ -4360,22 +4244,36 @@
         </p:nvSpPr>
         <p:spPr bwMode="auto">
           <a:xfrm>
-            <a:off x="899322" y="2022979"/>
-            <a:ext cx="3799053" cy="707886"/>
+            <a:off x="683568" y="1985326"/>
+            <a:ext cx="3816425" cy="783193"/>
           </a:xfrm>
-          <a:prstGeom prst="rect">
-            <a:avLst/>
+          <a:prstGeom prst="wedgeRoundRectCallout">
+            <a:avLst>
+              <a:gd name="adj1" fmla="val -11117"/>
+              <a:gd name="adj2" fmla="val 130511"/>
+              <a:gd name="adj3" fmla="val 16667"/>
+            </a:avLst>
           </a:prstGeom>
-          <a:noFill/>
+          <a:solidFill>
+            <a:schemeClr val="accent3">
+              <a:lumMod val="40000"/>
+              <a:lumOff val="60000"/>
+              <a:alpha val="46000"/>
+            </a:schemeClr>
+          </a:solidFill>
           <a:ln w="12700" algn="ctr">
-            <a:noFill/>
+            <a:solidFill>
+              <a:schemeClr val="bg1">
+                <a:lumMod val="75000"/>
+              </a:schemeClr>
+            </a:solidFill>
             <a:miter lim="800000"/>
             <a:headEnd/>
             <a:tailEnd/>
           </a:ln>
         </p:spPr>
         <p:txBody>
-          <a:bodyPr wrap="none" anchor="ctr">
+          <a:bodyPr wrap="square" anchor="ctr">
             <a:spAutoFit/>
           </a:bodyPr>
           <a:lstStyle/>
@@ -4442,6 +4340,148 @@
           </a:ln>
         </p:spPr>
       </p:pic>
+      <p:sp>
+        <p:nvSpPr>
+          <p:cNvPr id="2" name="Isosceles Triangle 1"/>
+          <p:cNvSpPr/>
+          <p:nvPr/>
+        </p:nvSpPr>
+        <p:spPr>
+          <a:xfrm rot="5400000">
+            <a:off x="5247757" y="3429951"/>
+            <a:ext cx="107169" cy="72008"/>
+          </a:xfrm>
+          <a:prstGeom prst="triangle">
+            <a:avLst/>
+          </a:prstGeom>
+          <a:solidFill>
+            <a:schemeClr val="accent3">
+              <a:lumMod val="75000"/>
+            </a:schemeClr>
+          </a:solidFill>
+          <a:ln>
+            <a:noFill/>
+          </a:ln>
+        </p:spPr>
+        <p:style>
+          <a:lnRef idx="2">
+            <a:schemeClr val="accent1">
+              <a:shade val="50000"/>
+            </a:schemeClr>
+          </a:lnRef>
+          <a:fillRef idx="1">
+            <a:schemeClr val="accent1"/>
+          </a:fillRef>
+          <a:effectRef idx="0">
+            <a:schemeClr val="accent1"/>
+          </a:effectRef>
+          <a:fontRef idx="minor">
+            <a:schemeClr val="lt1"/>
+          </a:fontRef>
+        </p:style>
+        <p:txBody>
+          <a:bodyPr rtlCol="0" anchor="ctr"/>
+          <a:lstStyle/>
+          <a:p>
+            <a:pPr algn="ctr"/>
+            <a:endParaRPr lang="en-US"/>
+          </a:p>
+        </p:txBody>
+      </p:sp>
+      <p:sp>
+        <p:nvSpPr>
+          <p:cNvPr id="23" name="Isosceles Triangle 22"/>
+          <p:cNvSpPr/>
+          <p:nvPr/>
+        </p:nvSpPr>
+        <p:spPr>
+          <a:xfrm rot="5400000">
+            <a:off x="3870343" y="5123781"/>
+            <a:ext cx="107169" cy="72008"/>
+          </a:xfrm>
+          <a:prstGeom prst="triangle">
+            <a:avLst/>
+          </a:prstGeom>
+          <a:solidFill>
+            <a:schemeClr val="accent3">
+              <a:lumMod val="75000"/>
+            </a:schemeClr>
+          </a:solidFill>
+          <a:ln>
+            <a:noFill/>
+          </a:ln>
+        </p:spPr>
+        <p:style>
+          <a:lnRef idx="2">
+            <a:schemeClr val="accent1">
+              <a:shade val="50000"/>
+            </a:schemeClr>
+          </a:lnRef>
+          <a:fillRef idx="1">
+            <a:schemeClr val="accent1"/>
+          </a:fillRef>
+          <a:effectRef idx="0">
+            <a:schemeClr val="accent1"/>
+          </a:effectRef>
+          <a:fontRef idx="minor">
+            <a:schemeClr val="lt1"/>
+          </a:fontRef>
+        </p:style>
+        <p:txBody>
+          <a:bodyPr rtlCol="0" anchor="ctr"/>
+          <a:lstStyle/>
+          <a:p>
+            <a:pPr algn="ctr"/>
+            <a:endParaRPr lang="en-US"/>
+          </a:p>
+        </p:txBody>
+      </p:sp>
+      <p:sp>
+        <p:nvSpPr>
+          <p:cNvPr id="24" name="Isosceles Triangle 23"/>
+          <p:cNvSpPr/>
+          <p:nvPr/>
+        </p:nvSpPr>
+        <p:spPr>
+          <a:xfrm rot="16200000">
+            <a:off x="5292256" y="5095487"/>
+            <a:ext cx="107169" cy="72008"/>
+          </a:xfrm>
+          <a:prstGeom prst="triangle">
+            <a:avLst/>
+          </a:prstGeom>
+          <a:solidFill>
+            <a:srgbClr val="7030A0"/>
+          </a:solidFill>
+          <a:ln>
+            <a:noFill/>
+          </a:ln>
+        </p:spPr>
+        <p:style>
+          <a:lnRef idx="2">
+            <a:schemeClr val="accent1">
+              <a:shade val="50000"/>
+            </a:schemeClr>
+          </a:lnRef>
+          <a:fillRef idx="1">
+            <a:schemeClr val="accent1"/>
+          </a:fillRef>
+          <a:effectRef idx="0">
+            <a:schemeClr val="accent1"/>
+          </a:effectRef>
+          <a:fontRef idx="minor">
+            <a:schemeClr val="lt1"/>
+          </a:fontRef>
+        </p:style>
+        <p:txBody>
+          <a:bodyPr rtlCol="0" anchor="ctr"/>
+          <a:lstStyle/>
+          <a:p>
+            <a:pPr algn="ctr"/>
+            <a:endParaRPr lang="en-US"/>
+          </a:p>
+        </p:txBody>
+      </p:sp>
     </p:spTree>
     <p:extLst>
       <p:ext uri="{BB962C8B-B14F-4D97-AF65-F5344CB8AC3E}">
@@ -4513,7 +4553,7 @@
                                           </p:stCondLst>
                                         </p:cTn>
                                         <p:tgtEl>
-                                          <p:spTgt spid="209"/>
+                                          <p:spTgt spid="197"/>
                                         </p:tgtEl>
                                         <p:attrNameLst>
                                           <p:attrName>style.visibility</p:attrName>
@@ -4540,7 +4580,7 @@
                                           </p:stCondLst>
                                         </p:cTn>
                                         <p:tgtEl>
-                                          <p:spTgt spid="197"/>
+                                          <p:spTgt spid="207"/>
                                         </p:tgtEl>
                                         <p:attrNameLst>
                                           <p:attrName>style.visibility</p:attrName>
@@ -4567,7 +4607,7 @@
                                           </p:stCondLst>
                                         </p:cTn>
                                         <p:tgtEl>
-                                          <p:spTgt spid="207"/>
+                                          <p:spTgt spid="198"/>
                                         </p:tgtEl>
                                         <p:attrNameLst>
                                           <p:attrName>style.visibility</p:attrName>
@@ -4594,7 +4634,7 @@
                                           </p:stCondLst>
                                         </p:cTn>
                                         <p:tgtEl>
-                                          <p:spTgt spid="198"/>
+                                          <p:spTgt spid="196"/>
                                         </p:tgtEl>
                                         <p:attrNameLst>
                                           <p:attrName>style.visibility</p:attrName>
@@ -4621,33 +4661,6 @@
                                           </p:stCondLst>
                                         </p:cTn>
                                         <p:tgtEl>
-                                          <p:spTgt spid="196"/>
-                                        </p:tgtEl>
-                                        <p:attrNameLst>
-                                          <p:attrName>style.visibility</p:attrName>
-                                        </p:attrNameLst>
-                                      </p:cBhvr>
-                                      <p:to>
-                                        <p:strVal val="visible"/>
-                                      </p:to>
-                                    </p:set>
-                                  </p:childTnLst>
-                                </p:cTn>
-                              </p:par>
-                              <p:par>
-                                <p:cTn id="17" presetID="1" presetClass="entr" presetSubtype="0" fill="hold" grpId="0" nodeType="withEffect">
-                                  <p:stCondLst>
-                                    <p:cond delay="0"/>
-                                  </p:stCondLst>
-                                  <p:childTnLst>
-                                    <p:set>
-                                      <p:cBhvr>
-                                        <p:cTn id="18" dur="1" fill="hold">
-                                          <p:stCondLst>
-                                            <p:cond delay="0"/>
-                                          </p:stCondLst>
-                                        </p:cTn>
-                                        <p:tgtEl>
                                           <p:spTgt spid="208"/>
                                         </p:tgtEl>
                                         <p:attrNameLst>
@@ -4668,26 +4681,26 @@
                     </p:cTn>
                   </p:par>
                   <p:par>
-                    <p:cTn id="19" fill="hold">
+                    <p:cTn id="17" fill="hold">
                       <p:stCondLst>
                         <p:cond delay="indefinite"/>
                       </p:stCondLst>
                       <p:childTnLst>
                         <p:par>
-                          <p:cTn id="20" fill="hold">
+                          <p:cTn id="18" fill="hold">
                             <p:stCondLst>
                               <p:cond delay="0"/>
                             </p:stCondLst>
                             <p:childTnLst>
                               <p:par>
-                                <p:cTn id="21" presetID="1" presetClass="entr" presetSubtype="0" fill="hold" nodeType="clickEffect">
+                                <p:cTn id="19" presetID="1" presetClass="entr" presetSubtype="0" fill="hold" nodeType="clickEffect">
                                   <p:stCondLst>
                                     <p:cond delay="0"/>
                                   </p:stCondLst>
                                   <p:childTnLst>
                                     <p:set>
                                       <p:cBhvr>
-                                        <p:cTn id="22" dur="1" fill="hold">
+                                        <p:cTn id="20" dur="1" fill="hold">
                                           <p:stCondLst>
                                             <p:cond delay="0"/>
                                           </p:stCondLst>
@@ -4707,14 +4720,14 @@
                                 </p:cTn>
                               </p:par>
                               <p:par>
-                                <p:cTn id="23" presetID="1" presetClass="entr" presetSubtype="0" fill="hold" grpId="0" nodeType="withEffect">
+                                <p:cTn id="21" presetID="1" presetClass="entr" presetSubtype="0" fill="hold" grpId="0" nodeType="withEffect">
                                   <p:stCondLst>
                                     <p:cond delay="0"/>
                                   </p:stCondLst>
                                   <p:childTnLst>
                                     <p:set>
                                       <p:cBhvr>
-                                        <p:cTn id="24" dur="1" fill="hold">
+                                        <p:cTn id="22" dur="1" fill="hold">
                                           <p:stCondLst>
                                             <p:cond delay="0"/>
                                           </p:stCondLst>
@@ -4740,26 +4753,26 @@
                     </p:cTn>
                   </p:par>
                   <p:par>
-                    <p:cTn id="25" fill="hold">
+                    <p:cTn id="23" fill="hold">
                       <p:stCondLst>
                         <p:cond delay="indefinite"/>
                       </p:stCondLst>
                       <p:childTnLst>
                         <p:par>
-                          <p:cTn id="26" fill="hold">
+                          <p:cTn id="24" fill="hold">
                             <p:stCondLst>
                               <p:cond delay="0"/>
                             </p:stCondLst>
                             <p:childTnLst>
                               <p:par>
-                                <p:cTn id="27" presetID="1" presetClass="entr" presetSubtype="0" fill="hold" grpId="0" nodeType="clickEffect">
+                                <p:cTn id="25" presetID="1" presetClass="entr" presetSubtype="0" fill="hold" grpId="0" nodeType="clickEffect">
                                   <p:stCondLst>
                                     <p:cond delay="0"/>
                                   </p:stCondLst>
                                   <p:childTnLst>
                                     <p:set>
                                       <p:cBhvr>
-                                        <p:cTn id="28" dur="1" fill="hold">
+                                        <p:cTn id="26" dur="1" fill="hold">
                                           <p:stCondLst>
                                             <p:cond delay="0"/>
                                           </p:stCondLst>
@@ -4779,14 +4792,14 @@
                                 </p:cTn>
                               </p:par>
                               <p:par>
-                                <p:cTn id="29" presetID="1" presetClass="entr" presetSubtype="0" fill="hold" nodeType="withEffect">
+                                <p:cTn id="27" presetID="1" presetClass="entr" presetSubtype="0" fill="hold" nodeType="withEffect">
                                   <p:stCondLst>
                                     <p:cond delay="0"/>
                                   </p:stCondLst>
                                   <p:childTnLst>
                                     <p:set>
                                       <p:cBhvr>
-                                        <p:cTn id="30" dur="1" fill="hold">
+                                        <p:cTn id="28" dur="1" fill="hold">
                                           <p:stCondLst>
                                             <p:cond delay="0"/>
                                           </p:stCondLst>
@@ -4806,14 +4819,14 @@
                                 </p:cTn>
                               </p:par>
                               <p:par>
-                                <p:cTn id="31" presetID="1" presetClass="entr" presetSubtype="0" fill="hold" grpId="0" nodeType="withEffect">
+                                <p:cTn id="29" presetID="1" presetClass="entr" presetSubtype="0" fill="hold" grpId="0" nodeType="withEffect">
                                   <p:stCondLst>
                                     <p:cond delay="0"/>
                                   </p:stCondLst>
                                   <p:childTnLst>
                                     <p:set>
                                       <p:cBhvr>
-                                        <p:cTn id="32" dur="1" fill="hold">
+                                        <p:cTn id="30" dur="1" fill="hold">
                                           <p:stCondLst>
                                             <p:cond delay="0"/>
                                           </p:stCondLst>
@@ -4833,65 +4846,20 @@
                                 </p:cTn>
                               </p:par>
                               <p:par>
-                                <p:cTn id="33" presetID="1" presetClass="entr" presetSubtype="0" fill="hold" nodeType="withEffect">
+                                <p:cTn id="31" presetID="1" presetClass="entr" presetSubtype="0" fill="hold" nodeType="withEffect">
                                   <p:stCondLst>
                                     <p:cond delay="0"/>
                                   </p:stCondLst>
                                   <p:childTnLst>
                                     <p:set>
                                       <p:cBhvr>
-                                        <p:cTn id="34" dur="1" fill="hold">
+                                        <p:cTn id="32" dur="1" fill="hold">
                                           <p:stCondLst>
                                             <p:cond delay="0"/>
                                           </p:stCondLst>
                                         </p:cTn>
                                         <p:tgtEl>
                                           <p:spTgt spid="200"/>
-                                        </p:tgtEl>
-                                        <p:attrNameLst>
-                                          <p:attrName>style.visibility</p:attrName>
-                                        </p:attrNameLst>
-                                      </p:cBhvr>
-                                      <p:to>
-                                        <p:strVal val="visible"/>
-                                      </p:to>
-                                    </p:set>
-                                  </p:childTnLst>
-                                </p:cTn>
-                              </p:par>
-                            </p:childTnLst>
-                          </p:cTn>
-                        </p:par>
-                      </p:childTnLst>
-                    </p:cTn>
-                  </p:par>
-                  <p:par>
-                    <p:cTn id="35" fill="hold">
-                      <p:stCondLst>
-                        <p:cond delay="indefinite"/>
-                      </p:stCondLst>
-                      <p:childTnLst>
-                        <p:par>
-                          <p:cTn id="36" fill="hold">
-                            <p:stCondLst>
-                              <p:cond delay="0"/>
-                            </p:stCondLst>
-                            <p:childTnLst>
-                              <p:par>
-                                <p:cTn id="37" presetID="1" presetClass="entr" presetSubtype="0" fill="hold" grpId="0" nodeType="clickEffect">
-                                  <p:stCondLst>
-                                    <p:cond delay="0"/>
-                                  </p:stCondLst>
-                                  <p:childTnLst>
-                                    <p:set>
-                                      <p:cBhvr>
-                                        <p:cTn id="38" dur="1" fill="hold">
-                                          <p:stCondLst>
-                                            <p:cond delay="0"/>
-                                          </p:stCondLst>
-                                        </p:cTn>
-                                        <p:tgtEl>
-                                          <p:spTgt spid="204"/>
                                         </p:tgtEl>
                                         <p:attrNameLst>
                                           <p:attrName>style.visibility</p:attrName>
@@ -4936,13 +4904,11 @@
       <p:bldP spid="197" grpId="0" animBg="1"/>
       <p:bldP spid="198" grpId="0" animBg="1"/>
       <p:bldP spid="203" grpId="0"/>
-      <p:bldP spid="204" grpId="0"/>
       <p:bldP spid="205" grpId="0"/>
       <p:bldP spid="206" grpId="0"/>
       <p:bldP spid="207" grpId="0"/>
       <p:bldP spid="208" grpId="0"/>
-      <p:bldP spid="209" grpId="0" animBg="1"/>
-      <p:bldP spid="212" grpId="0"/>
+      <p:bldP spid="212" grpId="0" animBg="1"/>
     </p:bldLst>
   </p:timing>
 </p:sld>
